--- a/NhomNho_6.pptx
+++ b/NhomNho_6.pptx
@@ -313,7 +313,7 @@
             <a:fld id="{00F830A1-3891-4B82-A120-081866556DA0}" type="datetimeFigureOut">
               <a:rPr lang="en-US" smtClean="0"/>
               <a:pPr/>
-              <a:t>9/24/2019</a:t>
+              <a:t>10/4/2019</a:t>
             </a:fld>
             <a:endParaRPr lang="en-US" dirty="0"/>
           </a:p>
@@ -1051,7 +1051,23 @@
             </a:r>
             <a:r>
               <a:rPr lang="en-US" sz="1200"/>
-              <a:t>, và mỗi nhánh trong phân cấp này kết thúc thành một thuộc tính đánh giá. Tiêu chí cụ thể cho từng trường hợp đánh giá COTS nhưng phải bao gồm chức năng thành phần (những dịch vụ nào được cung cấp), các khía cạnh khác của thành phần như giao diện, chi phí và chất lượng (ví dụ: độ tin cậy, tính khả, dễ sử dụng)</a:t>
+              <a:t>, và mỗi nhánh trong phân cấp này kết thúc thành một thuộc tính đánh giá. Tiêu chí cụ thể cho từng trường hợp đánh giá </a:t>
+            </a:r>
+            <a:r>
+              <a:rPr lang="en-US" sz="1200" smtClean="0"/>
+              <a:t>(</a:t>
+            </a:r>
+            <a:r>
+              <a:rPr lang="en-US" sz="1200"/>
+              <a:t>những dịch vụ nào được cung cấp), các khía cạnh khác của thành </a:t>
+            </a:r>
+            <a:r>
+              <a:rPr lang="en-US" sz="1200" smtClean="0"/>
+              <a:t>phần </a:t>
+            </a:r>
+            <a:r>
+              <a:rPr lang="en-US" sz="1200"/>
+              <a:t>như giao diện, chi phí và chất lượng (ví dụ: độ tin cậy, tính khả, dễ sử dụng)</a:t>
             </a:r>
           </a:p>
           <a:p>
@@ -5207,7 +5223,7 @@
                 <a:ea typeface="+mn-ea"/>
                 <a:cs typeface="+mn-cs"/>
               </a:rPr>
-              <a:t>Trong CBSD, người dùng/ người phát triển hệ thống chịu trách nhiệm bảo trì thành phần.</a:t>
+              <a:t>Trong CBSD, người phát triển hệ thống chịu trách nhiệm bảo trì thành phần.</a:t>
             </a:r>
             <a:endParaRPr lang="en-US" sz="1200" b="1" smtClean="0">
               <a:latin typeface="Calibri" panose="020F0502020204030204" pitchFamily="34" charset="0"/>
@@ -5957,7 +5973,11 @@
             </a:r>
             <a:r>
               <a:rPr lang="en-US"/>
-              <a:t>Vấn đề liên quan đến tương tác giữa các thành phần, có thể có ngữ cảnh rõ ràng phụ thuộc vào hệ điều hành hoặc nền tảng phần mềm trung gian, hiệu suất và những yếu tố liên quan đến yêu cầu chất lượng dịch vụ (QoS) hoặc các thành phần khác. </a:t>
+              <a:t>Vấn đề liên quan đến tương tác giữa các thành phần, có thể có ngữ cảnh rõ ràng phụ thuộc vào hệ điều hành hoặc nền tảng phần mềm trung gian, hiệu suất và những yếu tố liên quan đến yêu cầu chất lượng dịch vụ (QoS</a:t>
+            </a:r>
+            <a:r>
+              <a:rPr lang="en-US" smtClean="0"/>
+              <a:t>). </a:t>
             </a:r>
             <a:r>
               <a:rPr lang="en-US" sz="1200" kern="1200">
@@ -5969,8 +5989,77 @@
                 <a:ea typeface="+mn-ea"/>
                 <a:cs typeface="+mn-cs"/>
               </a:rPr>
-              <a:t>Vd: Một thành phần thoả mãn các yêu cầu đc đặt ra, nhưng nếu cùng với cơ sở hạ tầng (máy chủ, băng thông…) phần mềm phải phục vụ nhiều người hơn, tốc độ xử lý của thành phần này có thể không đủ, gây nghẽn cổ chai, làm giảm hiệu suất của phần mềm.</a:t>
-            </a:r>
+              <a:t>Vd: Một thành phần thoả mãn các yêu cầu đc đặt ra, nhưng nếu cùng với cơ sở hạ tầng (máy chủ, băng thông…) phần mềm phải phục vụ nhiều </a:t>
+            </a:r>
+            <a:r>
+              <a:rPr lang="en-US" sz="1200" kern="1200" smtClean="0">
+                <a:solidFill>
+                  <a:schemeClr val="tx1"/>
+                </a:solidFill>
+                <a:effectLst/>
+                <a:latin typeface="+mn-lt"/>
+                <a:ea typeface="+mn-ea"/>
+                <a:cs typeface="+mn-cs"/>
+              </a:rPr>
+              <a:t>user </a:t>
+            </a:r>
+            <a:r>
+              <a:rPr lang="en-US" sz="1200" kern="1200">
+                <a:solidFill>
+                  <a:schemeClr val="tx1"/>
+                </a:solidFill>
+                <a:effectLst/>
+                <a:latin typeface="+mn-lt"/>
+                <a:ea typeface="+mn-ea"/>
+                <a:cs typeface="+mn-cs"/>
+              </a:rPr>
+              <a:t>hơn, tốc độ xử lý của thành phần này có thể không đủ, gây nghẽn cổ chai, làm </a:t>
+            </a:r>
+            <a:r>
+              <a:rPr lang="en-US" sz="1200" kern="1200" smtClean="0">
+                <a:solidFill>
+                  <a:schemeClr val="tx1"/>
+                </a:solidFill>
+                <a:effectLst/>
+                <a:latin typeface="+mn-lt"/>
+                <a:ea typeface="+mn-ea"/>
+                <a:cs typeface="+mn-cs"/>
+              </a:rPr>
+              <a:t>giảm </a:t>
+            </a:r>
+            <a:r>
+              <a:rPr lang="en-US" sz="1200" kern="1200">
+                <a:solidFill>
+                  <a:schemeClr val="tx1"/>
+                </a:solidFill>
+                <a:effectLst/>
+                <a:latin typeface="+mn-lt"/>
+                <a:ea typeface="+mn-ea"/>
+                <a:cs typeface="+mn-cs"/>
+              </a:rPr>
+              <a:t>hiệu suất của phần mềm</a:t>
+            </a:r>
+            <a:r>
+              <a:rPr lang="en-US" sz="1200" kern="1200" smtClean="0">
+                <a:solidFill>
+                  <a:schemeClr val="tx1"/>
+                </a:solidFill>
+                <a:effectLst/>
+                <a:latin typeface="+mn-lt"/>
+                <a:ea typeface="+mn-ea"/>
+                <a:cs typeface="+mn-cs"/>
+              </a:rPr>
+              <a:t>.	</a:t>
+            </a:r>
+            <a:endParaRPr lang="en-US" sz="1200" kern="1200">
+              <a:solidFill>
+                <a:schemeClr val="tx1"/>
+              </a:solidFill>
+              <a:effectLst/>
+              <a:latin typeface="+mn-lt"/>
+              <a:ea typeface="+mn-ea"/>
+              <a:cs typeface="+mn-cs"/>
+            </a:endParaRPr>
           </a:p>
           <a:p>
             <a:pPr lvl="0"/>
@@ -6381,7 +6470,7 @@
             <a:fld id="{A258050E-B668-4FA7-85AD-C750C80A6E9B}" type="datetimeFigureOut">
               <a:rPr lang="en-US" smtClean="0"/>
               <a:pPr/>
-              <a:t>9/24/2019</a:t>
+              <a:t>10/4/2019</a:t>
             </a:fld>
             <a:endParaRPr lang="en-US" dirty="0"/>
           </a:p>
@@ -7232,7 +7321,7 @@
             <a:fld id="{A258050E-B668-4FA7-85AD-C750C80A6E9B}" type="datetimeFigureOut">
               <a:rPr lang="en-US" smtClean="0"/>
               <a:pPr/>
-              <a:t>9/24/2019</a:t>
+              <a:t>10/4/2019</a:t>
             </a:fld>
             <a:endParaRPr lang="en-US" dirty="0"/>
           </a:p>
@@ -7762,7 +7851,7 @@
             <a:fld id="{A258050E-B668-4FA7-85AD-C750C80A6E9B}" type="datetimeFigureOut">
               <a:rPr lang="en-US" smtClean="0"/>
               <a:pPr/>
-              <a:t>9/24/2019</a:t>
+              <a:t>10/4/2019</a:t>
             </a:fld>
             <a:endParaRPr lang="en-US" dirty="0"/>
           </a:p>
@@ -7935,7 +8024,7 @@
             <a:fld id="{A258050E-B668-4FA7-85AD-C750C80A6E9B}" type="datetimeFigureOut">
               <a:rPr lang="en-US" smtClean="0"/>
               <a:pPr/>
-              <a:t>9/24/2019</a:t>
+              <a:t>10/4/2019</a:t>
             </a:fld>
             <a:endParaRPr lang="en-US" dirty="0"/>
           </a:p>
@@ -8182,7 +8271,7 @@
             <a:fld id="{A258050E-B668-4FA7-85AD-C750C80A6E9B}" type="datetimeFigureOut">
               <a:rPr lang="en-US" smtClean="0"/>
               <a:pPr/>
-              <a:t>9/24/2019</a:t>
+              <a:t>10/4/2019</a:t>
             </a:fld>
             <a:endParaRPr lang="en-US" dirty="0"/>
           </a:p>
@@ -8290,7 +8379,7 @@
             <a:fld id="{2FF934E2-BBB6-4D34-BB01-078E9AA25260}" type="datetimeFigureOut">
               <a:rPr lang="en-US" smtClean="0"/>
               <a:pPr/>
-              <a:t>9/24/2019</a:t>
+              <a:t>10/4/2019</a:t>
             </a:fld>
             <a:endParaRPr lang="en-US" dirty="0"/>
           </a:p>
@@ -9001,7 +9090,7 @@
             <a:fld id="{A258050E-B668-4FA7-85AD-C750C80A6E9B}" type="datetimeFigureOut">
               <a:rPr lang="en-US" smtClean="0"/>
               <a:pPr/>
-              <a:t>9/24/2019</a:t>
+              <a:t>10/4/2019</a:t>
             </a:fld>
             <a:endParaRPr lang="en-US" dirty="0"/>
           </a:p>
@@ -9162,7 +9251,7 @@
             <a:fld id="{A258050E-B668-4FA7-85AD-C750C80A6E9B}" type="datetimeFigureOut">
               <a:rPr lang="en-US" smtClean="0"/>
               <a:pPr/>
-              <a:t>9/24/2019</a:t>
+              <a:t>10/4/2019</a:t>
             </a:fld>
             <a:endParaRPr lang="en-US" dirty="0"/>
           </a:p>
@@ -9676,7 +9765,7 @@
             <a:fld id="{A258050E-B668-4FA7-85AD-C750C80A6E9B}" type="datetimeFigureOut">
               <a:rPr lang="en-US" smtClean="0"/>
               <a:pPr/>
-              <a:t>9/24/2019</a:t>
+              <a:t>10/4/2019</a:t>
             </a:fld>
             <a:endParaRPr lang="en-US" dirty="0"/>
           </a:p>
@@ -9790,7 +9879,7 @@
             <a:fld id="{A258050E-B668-4FA7-85AD-C750C80A6E9B}" type="datetimeFigureOut">
               <a:rPr lang="en-US" smtClean="0"/>
               <a:pPr/>
-              <a:t>9/24/2019</a:t>
+              <a:t>10/4/2019</a:t>
             </a:fld>
             <a:endParaRPr lang="en-US" dirty="0"/>
           </a:p>
@@ -10092,7 +10181,7 @@
             <a:fld id="{A258050E-B668-4FA7-85AD-C750C80A6E9B}" type="datetimeFigureOut">
               <a:rPr lang="en-US" smtClean="0"/>
               <a:pPr/>
-              <a:t>9/24/2019</a:t>
+              <a:t>10/4/2019</a:t>
             </a:fld>
             <a:endParaRPr lang="en-US" dirty="0"/>
           </a:p>
@@ -10367,7 +10456,7 @@
             <a:fld id="{A258050E-B668-4FA7-85AD-C750C80A6E9B}" type="datetimeFigureOut">
               <a:rPr lang="en-US" smtClean="0"/>
               <a:pPr/>
-              <a:t>9/24/2019</a:t>
+              <a:t>10/4/2019</a:t>
             </a:fld>
             <a:endParaRPr lang="en-US" dirty="0"/>
           </a:p>
@@ -11031,7 +11120,7 @@
             <a:fld id="{A258050E-B668-4FA7-85AD-C750C80A6E9B}" type="datetimeFigureOut">
               <a:rPr lang="en-US" smtClean="0"/>
               <a:pPr/>
-              <a:t>9/24/2019</a:t>
+              <a:t>10/4/2019</a:t>
             </a:fld>
             <a:endParaRPr lang="en-US" dirty="0"/>
           </a:p>
@@ -11218,7 +11307,7 @@
             <a:fld id="{A258050E-B668-4FA7-85AD-C750C80A6E9B}" type="datetimeFigureOut">
               <a:rPr lang="en-US" smtClean="0"/>
               <a:pPr/>
-              <a:t>9/24/2019</a:t>
+              <a:t>10/4/2019</a:t>
             </a:fld>
             <a:endParaRPr lang="en-US" dirty="0"/>
           </a:p>
@@ -12145,14 +12234,12 @@
           </a:p>
           <a:p>
             <a:r>
+              <a:rPr lang="en-US" sz="2400" smtClean="0"/>
+              <a:t>Yêu </a:t>
+            </a:r>
+            <a:r>
               <a:rPr lang="en-US" sz="2400"/>
-              <a:t>Mời thầu (ITT) hoặc </a:t>
-            </a:r>
-          </a:p>
-          <a:p>
-            <a:r>
-              <a:rPr lang="en-US" sz="2400"/>
-              <a:t>Yêu cầu đề xuất (RFP)</a:t>
+              <a:t>cầu đề xuất (RFP)</a:t>
             </a:r>
           </a:p>
           <a:p>
@@ -33210,6 +33297,13 @@
       </p:transition>
     </mc:Fallback>
   </mc:AlternateContent>
+  <p:timing>
+    <p:tnLst>
+      <p:par>
+        <p:cTn id="1" dur="indefinite" restart="never" nodeType="tmRoot"/>
+      </p:par>
+    </p:tnLst>
+  </p:timing>
 </p:sld>
 </file>
 
@@ -33479,13 +33573,20 @@
               <a:rPr lang="en-US" sz="2400"/>
               <a:t>Vấn đề liên quan đến sự cấu thành của các thành phần .</a:t>
             </a:r>
-            <a:endParaRPr lang="en-US" sz="2400"/>
           </a:p>
           <a:p>
             <a:pPr lvl="0"/>
             <a:r>
               <a:rPr lang="en-US" sz="2400"/>
-              <a:t>Các vấn đề khác liên quan đến rủi ro khi mua các thành phần.</a:t>
+              <a:t>Các vấn đề </a:t>
+            </a:r>
+            <a:r>
+              <a:rPr lang="en-US" sz="2400" smtClean="0"/>
+              <a:t>liên </a:t>
+            </a:r>
+            <a:r>
+              <a:rPr lang="en-US" sz="2400"/>
+              <a:t>quan đến rủi ro khi mua các thành phần.</a:t>
             </a:r>
           </a:p>
         </p:txBody>
